--- a/GPP_Exam/GPP_ZombieAI_VanBogaertRikki_2DAE08.pptx
+++ b/GPP_Exam/GPP_ZombieAI_VanBogaertRikki_2DAE08.pptx
@@ -328,7 +328,7 @@
           <a:p>
             <a:fld id="{82085877-2B37-48E7-8B6D-4D4ED486130A}" type="datetimeFigureOut">
               <a:rPr lang="en-BE" smtClean="0"/>
-              <a:t>12/17/2021</a:t>
+              <a:t>19/01/2023</a:t>
             </a:fld>
             <a:endParaRPr lang="en-BE"/>
           </a:p>
@@ -528,7 +528,7 @@
           <a:p>
             <a:fld id="{82085877-2B37-48E7-8B6D-4D4ED486130A}" type="datetimeFigureOut">
               <a:rPr lang="en-BE" smtClean="0"/>
-              <a:t>12/17/2021</a:t>
+              <a:t>19/01/2023</a:t>
             </a:fld>
             <a:endParaRPr lang="en-BE"/>
           </a:p>
@@ -738,7 +738,7 @@
           <a:p>
             <a:fld id="{82085877-2B37-48E7-8B6D-4D4ED486130A}" type="datetimeFigureOut">
               <a:rPr lang="en-BE" smtClean="0"/>
-              <a:t>12/17/2021</a:t>
+              <a:t>19/01/2023</a:t>
             </a:fld>
             <a:endParaRPr lang="en-BE"/>
           </a:p>
@@ -938,7 +938,7 @@
           <a:p>
             <a:fld id="{82085877-2B37-48E7-8B6D-4D4ED486130A}" type="datetimeFigureOut">
               <a:rPr lang="en-BE" smtClean="0"/>
-              <a:t>12/17/2021</a:t>
+              <a:t>19/01/2023</a:t>
             </a:fld>
             <a:endParaRPr lang="en-BE"/>
           </a:p>
@@ -1214,7 +1214,7 @@
           <a:p>
             <a:fld id="{82085877-2B37-48E7-8B6D-4D4ED486130A}" type="datetimeFigureOut">
               <a:rPr lang="en-BE" smtClean="0"/>
-              <a:t>12/17/2021</a:t>
+              <a:t>19/01/2023</a:t>
             </a:fld>
             <a:endParaRPr lang="en-BE"/>
           </a:p>
@@ -1482,7 +1482,7 @@
           <a:p>
             <a:fld id="{82085877-2B37-48E7-8B6D-4D4ED486130A}" type="datetimeFigureOut">
               <a:rPr lang="en-BE" smtClean="0"/>
-              <a:t>12/17/2021</a:t>
+              <a:t>19/01/2023</a:t>
             </a:fld>
             <a:endParaRPr lang="en-BE"/>
           </a:p>
@@ -1897,7 +1897,7 @@
           <a:p>
             <a:fld id="{82085877-2B37-48E7-8B6D-4D4ED486130A}" type="datetimeFigureOut">
               <a:rPr lang="en-BE" smtClean="0"/>
-              <a:t>12/17/2021</a:t>
+              <a:t>19/01/2023</a:t>
             </a:fld>
             <a:endParaRPr lang="en-BE"/>
           </a:p>
@@ -2039,7 +2039,7 @@
           <a:p>
             <a:fld id="{82085877-2B37-48E7-8B6D-4D4ED486130A}" type="datetimeFigureOut">
               <a:rPr lang="en-BE" smtClean="0"/>
-              <a:t>12/17/2021</a:t>
+              <a:t>19/01/2023</a:t>
             </a:fld>
             <a:endParaRPr lang="en-BE"/>
           </a:p>
@@ -2152,7 +2152,7 @@
           <a:p>
             <a:fld id="{82085877-2B37-48E7-8B6D-4D4ED486130A}" type="datetimeFigureOut">
               <a:rPr lang="en-BE" smtClean="0"/>
-              <a:t>12/17/2021</a:t>
+              <a:t>19/01/2023</a:t>
             </a:fld>
             <a:endParaRPr lang="en-BE"/>
           </a:p>
@@ -2465,7 +2465,7 @@
           <a:p>
             <a:fld id="{82085877-2B37-48E7-8B6D-4D4ED486130A}" type="datetimeFigureOut">
               <a:rPr lang="en-BE" smtClean="0"/>
-              <a:t>12/17/2021</a:t>
+              <a:t>19/01/2023</a:t>
             </a:fld>
             <a:endParaRPr lang="en-BE"/>
           </a:p>
@@ -2754,7 +2754,7 @@
           <a:p>
             <a:fld id="{82085877-2B37-48E7-8B6D-4D4ED486130A}" type="datetimeFigureOut">
               <a:rPr lang="en-BE" smtClean="0"/>
-              <a:t>12/17/2021</a:t>
+              <a:t>19/01/2023</a:t>
             </a:fld>
             <a:endParaRPr lang="en-BE"/>
           </a:p>
@@ -2997,7 +2997,7 @@
           <a:p>
             <a:fld id="{82085877-2B37-48E7-8B6D-4D4ED486130A}" type="datetimeFigureOut">
               <a:rPr lang="en-BE" smtClean="0"/>
-              <a:t>12/17/2021</a:t>
+              <a:t>19/01/2023</a:t>
             </a:fld>
             <a:endParaRPr lang="en-BE"/>
           </a:p>
@@ -3576,17 +3576,10 @@
           <a:bodyPr/>
           <a:lstStyle/>
           <a:p>
-            <a:r>
-              <a:rPr lang="en-US" i="1">
-                <a:solidFill>
-                  <a:schemeClr val="bg1">
-                    <a:lumMod val="75000"/>
-                  </a:schemeClr>
-                </a:solidFill>
-              </a:rPr>
-              <a:t>Visualization of your decision making structure (readable!)</a:t>
-            </a:r>
-            <a:endParaRPr lang="en-BE" i="1">
+            <a:pPr marL="0" indent="0">
+              <a:buNone/>
+            </a:pPr>
+            <a:endParaRPr lang="en-BE" i="1" dirty="0">
               <a:solidFill>
                 <a:schemeClr val="bg1">
                   <a:lumMod val="75000"/>
@@ -3596,6 +3589,42 @@
           </a:p>
         </p:txBody>
       </p:sp>
+      <p:pic>
+        <p:nvPicPr>
+          <p:cNvPr id="5" name="Picture 4" descr="Diagram">
+            <a:extLst>
+              <a:ext uri="{FF2B5EF4-FFF2-40B4-BE49-F238E27FC236}">
+                <a16:creationId xmlns:a16="http://schemas.microsoft.com/office/drawing/2014/main" id="{E5A3A9D4-D028-F840-FF7E-AB901BF94563}"/>
+              </a:ext>
+            </a:extLst>
+          </p:cNvPr>
+          <p:cNvPicPr>
+            <a:picLocks noChangeAspect="1"/>
+          </p:cNvPicPr>
+          <p:nvPr/>
+        </p:nvPicPr>
+        <p:blipFill>
+          <a:blip r:embed="rId2">
+            <a:extLst>
+              <a:ext uri="{28A0092B-C50C-407E-A947-70E740481C1C}">
+                <a14:useLocalDpi xmlns:a14="http://schemas.microsoft.com/office/drawing/2010/main" val="0"/>
+              </a:ext>
+            </a:extLst>
+          </a:blip>
+          <a:stretch>
+            <a:fillRect/>
+          </a:stretch>
+        </p:blipFill>
+        <p:spPr>
+          <a:xfrm>
+            <a:off x="1487788" y="1375874"/>
+            <a:ext cx="9571892" cy="5384189"/>
+          </a:xfrm>
+          <a:prstGeom prst="rect">
+            <a:avLst/>
+          </a:prstGeom>
+        </p:spPr>
+      </p:pic>
     </p:spTree>
     <p:extLst>
       <p:ext uri="{BB962C8B-B14F-4D97-AF65-F5344CB8AC3E}">
@@ -3648,10 +3677,10 @@
           <a:lstStyle/>
           <a:p>
             <a:r>
-              <a:rPr lang="en-US"/>
+              <a:rPr lang="en-US" dirty="0"/>
               <a:t>Enemy handling</a:t>
             </a:r>
-            <a:endParaRPr lang="en-BE"/>
+            <a:endParaRPr lang="en-BE" dirty="0"/>
           </a:p>
         </p:txBody>
       </p:sp>
@@ -3676,36 +3705,41 @@
           <a:bodyPr/>
           <a:lstStyle/>
           <a:p>
-            <a:r>
-              <a:rPr lang="en-US" i="1">
-                <a:solidFill>
-                  <a:schemeClr val="bg1">
-                    <a:lumMod val="75000"/>
-                  </a:schemeClr>
-                </a:solidFill>
-              </a:rPr>
-              <a:t>How does your agent deal with enemies (aiming, shooting, item usage, avoidance, hiding, usage of sprint, …)?</a:t>
-            </a:r>
-            <a:endParaRPr lang="en-BE" i="1">
-              <a:solidFill>
-                <a:schemeClr val="bg1">
-                  <a:lumMod val="75000"/>
-                </a:schemeClr>
-              </a:solidFill>
-            </a:endParaRPr>
-          </a:p>
-          <a:p>
-            <a:r>
-              <a:rPr lang="en-US" i="1">
-                <a:solidFill>
-                  <a:schemeClr val="bg1">
-                    <a:lumMod val="75000"/>
-                  </a:schemeClr>
-                </a:solidFill>
-              </a:rPr>
-              <a:t>USE IMAGES/GIFS</a:t>
-            </a:r>
-            <a:endParaRPr lang="en-BE"/>
+            <a:pPr marL="0" indent="0">
+              <a:buNone/>
+            </a:pPr>
+            <a:r>
+              <a:rPr lang="en-US" dirty="0"/>
+              <a:t>-Sees enemy</a:t>
+            </a:r>
+          </a:p>
+          <a:p>
+            <a:pPr marL="0" indent="0">
+              <a:buNone/>
+            </a:pPr>
+            <a:r>
+              <a:rPr lang="en-US" dirty="0"/>
+              <a:t>-Ignore if no gun, else -&gt;</a:t>
+            </a:r>
+          </a:p>
+          <a:p>
+            <a:pPr marL="0" indent="0">
+              <a:buNone/>
+            </a:pPr>
+            <a:r>
+              <a:rPr lang="en-US" dirty="0"/>
+              <a:t>-Faces enemy while fleeing away</a:t>
+            </a:r>
+          </a:p>
+          <a:p>
+            <a:pPr marL="0" indent="0">
+              <a:buNone/>
+            </a:pPr>
+            <a:r>
+              <a:rPr lang="en-US" dirty="0"/>
+              <a:t>-Shoots (uses shotgun first, else pistol)</a:t>
+            </a:r>
+            <a:endParaRPr lang="en-BE" dirty="0"/>
           </a:p>
         </p:txBody>
       </p:sp>
@@ -3789,29 +3823,40 @@
           <a:bodyPr/>
           <a:lstStyle/>
           <a:p>
-            <a:r>
-              <a:rPr lang="en-US" i="1">
-                <a:solidFill>
-                  <a:schemeClr val="bg1">
-                    <a:lumMod val="75000"/>
-                  </a:schemeClr>
-                </a:solidFill>
-              </a:rPr>
-              <a:t>How does your agent manage its inventory (inventory organization, item usage, picking up and remembering items,…)? </a:t>
-            </a:r>
-            <a:endParaRPr lang="en-BE" i="1">
-              <a:solidFill>
-                <a:schemeClr val="bg1">
-                  <a:lumMod val="75000"/>
-                </a:schemeClr>
-              </a:solidFill>
-            </a:endParaRPr>
-          </a:p>
-          <a:p>
-            <a:endParaRPr lang="en-BE"/>
-          </a:p>
-        </p:txBody>
-      </p:sp>
+            <a:endParaRPr lang="en-BE" dirty="0"/>
+          </a:p>
+        </p:txBody>
+      </p:sp>
+      <p:pic>
+        <p:nvPicPr>
+          <p:cNvPr id="5" name="Picture 4">
+            <a:extLst>
+              <a:ext uri="{FF2B5EF4-FFF2-40B4-BE49-F238E27FC236}">
+                <a16:creationId xmlns:a16="http://schemas.microsoft.com/office/drawing/2014/main" id="{AD3DB494-5C51-57DF-578A-CEC1B9524B58}"/>
+              </a:ext>
+            </a:extLst>
+          </p:cNvPr>
+          <p:cNvPicPr>
+            <a:picLocks noChangeAspect="1"/>
+          </p:cNvPicPr>
+          <p:nvPr/>
+        </p:nvPicPr>
+        <p:blipFill>
+          <a:blip r:embed="rId2"/>
+          <a:stretch>
+            <a:fillRect/>
+          </a:stretch>
+        </p:blipFill>
+        <p:spPr>
+          <a:xfrm>
+            <a:off x="838200" y="1825625"/>
+            <a:ext cx="7087589" cy="4286848"/>
+          </a:xfrm>
+          <a:prstGeom prst="rect">
+            <a:avLst/>
+          </a:prstGeom>
+        </p:spPr>
+      </p:pic>
     </p:spTree>
     <p:extLst>
       <p:ext uri="{BB962C8B-B14F-4D97-AF65-F5344CB8AC3E}">
@@ -3892,31 +3937,7 @@
           <a:bodyPr/>
           <a:lstStyle/>
           <a:p>
-            <a:r>
-              <a:rPr lang="en-US" i="1">
-                <a:solidFill>
-                  <a:schemeClr val="bg1">
-                    <a:lumMod val="75000"/>
-                  </a:schemeClr>
-                </a:solidFill>
-              </a:rPr>
-              <a:t>How does your agent explore the world ( how does it traverse the world, when and why does it visit houses, does it have a memory?)?</a:t>
-            </a:r>
-          </a:p>
-          <a:p>
-            <a:r>
-              <a:rPr lang="en-US" i="1">
-                <a:solidFill>
-                  <a:schemeClr val="bg1">
-                    <a:lumMod val="75000"/>
-                  </a:schemeClr>
-                </a:solidFill>
-              </a:rPr>
-              <a:t>USE IMAGES/GIFS</a:t>
-            </a:r>
-          </a:p>
-          <a:p>
-            <a:endParaRPr lang="en-US" i="1">
+            <a:endParaRPr lang="en-US" i="1" dirty="0">
               <a:solidFill>
                 <a:schemeClr val="bg1">
                   <a:lumMod val="75000"/>
@@ -3925,32 +3946,73 @@
             </a:endParaRPr>
           </a:p>
           <a:p>
-            <a:r>
-              <a:rPr lang="en-US" i="1">
-                <a:solidFill>
-                  <a:schemeClr val="bg1">
-                    <a:lumMod val="75000"/>
-                  </a:schemeClr>
-                </a:solidFill>
-              </a:rPr>
-              <a:t>How many steering behaviors does it use? Does it use blended steering?</a:t>
-            </a:r>
-            <a:endParaRPr lang="en-BE" i="1">
-              <a:solidFill>
-                <a:schemeClr val="bg1">
-                  <a:lumMod val="75000"/>
-                </a:schemeClr>
-              </a:solidFill>
-            </a:endParaRPr>
-          </a:p>
-          <a:p>
             <a:pPr marL="0" indent="0">
               <a:buNone/>
             </a:pPr>
-            <a:endParaRPr lang="en-BE"/>
-          </a:p>
-        </p:txBody>
-      </p:sp>
+            <a:endParaRPr lang="en-BE" dirty="0"/>
+          </a:p>
+        </p:txBody>
+      </p:sp>
+      <p:pic>
+        <p:nvPicPr>
+          <p:cNvPr id="5" name="Picture 4">
+            <a:extLst>
+              <a:ext uri="{FF2B5EF4-FFF2-40B4-BE49-F238E27FC236}">
+                <a16:creationId xmlns:a16="http://schemas.microsoft.com/office/drawing/2014/main" id="{CA100925-8D81-7051-75DC-06724447CA4D}"/>
+              </a:ext>
+            </a:extLst>
+          </p:cNvPr>
+          <p:cNvPicPr>
+            <a:picLocks noChangeAspect="1"/>
+          </p:cNvPicPr>
+          <p:nvPr/>
+        </p:nvPicPr>
+        <p:blipFill>
+          <a:blip r:embed="rId2"/>
+          <a:stretch>
+            <a:fillRect/>
+          </a:stretch>
+        </p:blipFill>
+        <p:spPr>
+          <a:xfrm>
+            <a:off x="1314033" y="4711623"/>
+            <a:ext cx="8635979" cy="1600277"/>
+          </a:xfrm>
+          <a:prstGeom prst="rect">
+            <a:avLst/>
+          </a:prstGeom>
+        </p:spPr>
+      </p:pic>
+      <p:pic>
+        <p:nvPicPr>
+          <p:cNvPr id="7" name="Picture 6">
+            <a:extLst>
+              <a:ext uri="{FF2B5EF4-FFF2-40B4-BE49-F238E27FC236}">
+                <a16:creationId xmlns:a16="http://schemas.microsoft.com/office/drawing/2014/main" id="{7DFE8F62-7517-0966-BF85-1CA0895D71CE}"/>
+              </a:ext>
+            </a:extLst>
+          </p:cNvPr>
+          <p:cNvPicPr>
+            <a:picLocks noChangeAspect="1"/>
+          </p:cNvPicPr>
+          <p:nvPr/>
+        </p:nvPicPr>
+        <p:blipFill>
+          <a:blip r:embed="rId3"/>
+          <a:stretch>
+            <a:fillRect/>
+          </a:stretch>
+        </p:blipFill>
+        <p:spPr>
+          <a:xfrm>
+            <a:off x="4457282" y="1531847"/>
+            <a:ext cx="2914121" cy="2807767"/>
+          </a:xfrm>
+          <a:prstGeom prst="rect">
+            <a:avLst/>
+          </a:prstGeom>
+        </p:spPr>
+      </p:pic>
     </p:spTree>
     <p:extLst>
       <p:ext uri="{BB962C8B-B14F-4D97-AF65-F5344CB8AC3E}">
@@ -4034,17 +4096,7 @@
             <a:pPr marL="0" indent="0">
               <a:buNone/>
             </a:pPr>
-            <a:r>
-              <a:rPr lang="en-US">
-                <a:solidFill>
-                  <a:schemeClr val="bg1">
-                    <a:lumMod val="75000"/>
-                  </a:schemeClr>
-                </a:solidFill>
-              </a:rPr>
-              <a:t>Screen shot or list of highest scores</a:t>
-            </a:r>
-            <a:endParaRPr lang="en-BE">
+            <a:endParaRPr lang="en-BE" dirty="0">
               <a:solidFill>
                 <a:schemeClr val="bg1">
                   <a:lumMod val="75000"/>
@@ -4054,6 +4106,176 @@
           </a:p>
         </p:txBody>
       </p:sp>
+      <p:pic>
+        <p:nvPicPr>
+          <p:cNvPr id="1026" name="Picture 2">
+            <a:extLst>
+              <a:ext uri="{FF2B5EF4-FFF2-40B4-BE49-F238E27FC236}">
+                <a16:creationId xmlns:a16="http://schemas.microsoft.com/office/drawing/2014/main" id="{0D12DA5B-336B-B414-5E97-8F4310E2C120}"/>
+              </a:ext>
+            </a:extLst>
+          </p:cNvPr>
+          <p:cNvPicPr>
+            <a:picLocks noChangeAspect="1" noChangeArrowheads="1"/>
+          </p:cNvPicPr>
+          <p:nvPr/>
+        </p:nvPicPr>
+        <p:blipFill>
+          <a:blip r:embed="rId2">
+            <a:extLst>
+              <a:ext uri="{28A0092B-C50C-407E-A947-70E740481C1C}">
+                <a14:useLocalDpi xmlns:a14="http://schemas.microsoft.com/office/drawing/2010/main" val="0"/>
+              </a:ext>
+            </a:extLst>
+          </a:blip>
+          <a:srcRect/>
+          <a:stretch>
+            <a:fillRect/>
+          </a:stretch>
+        </p:blipFill>
+        <p:spPr bwMode="auto">
+          <a:xfrm>
+            <a:off x="4693610" y="3554939"/>
+            <a:ext cx="3077308" cy="2500313"/>
+          </a:xfrm>
+          <a:prstGeom prst="rect">
+            <a:avLst/>
+          </a:prstGeom>
+          <a:noFill/>
+          <a:extLst>
+            <a:ext uri="{909E8E84-426E-40DD-AFC4-6F175D3DCCD1}">
+              <a14:hiddenFill xmlns:a14="http://schemas.microsoft.com/office/drawing/2010/main">
+                <a:solidFill>
+                  <a:srgbClr val="FFFFFF"/>
+                </a:solidFill>
+              </a14:hiddenFill>
+            </a:ext>
+          </a:extLst>
+        </p:spPr>
+      </p:pic>
+      <p:pic>
+        <p:nvPicPr>
+          <p:cNvPr id="1028" name="Picture 4">
+            <a:extLst>
+              <a:ext uri="{FF2B5EF4-FFF2-40B4-BE49-F238E27FC236}">
+                <a16:creationId xmlns:a16="http://schemas.microsoft.com/office/drawing/2014/main" id="{BE4B923F-DFA2-A29E-BB79-BB61670BCC2D}"/>
+              </a:ext>
+            </a:extLst>
+          </p:cNvPr>
+          <p:cNvPicPr>
+            <a:picLocks noChangeAspect="1" noChangeArrowheads="1"/>
+          </p:cNvPicPr>
+          <p:nvPr/>
+        </p:nvPicPr>
+        <p:blipFill>
+          <a:blip r:embed="rId3">
+            <a:extLst>
+              <a:ext uri="{28A0092B-C50C-407E-A947-70E740481C1C}">
+                <a14:useLocalDpi xmlns:a14="http://schemas.microsoft.com/office/drawing/2010/main" val="0"/>
+              </a:ext>
+            </a:extLst>
+          </a:blip>
+          <a:srcRect/>
+          <a:stretch>
+            <a:fillRect/>
+          </a:stretch>
+        </p:blipFill>
+        <p:spPr bwMode="auto">
+          <a:xfrm>
+            <a:off x="7341899" y="1472406"/>
+            <a:ext cx="2317213" cy="1863086"/>
+          </a:xfrm>
+          <a:prstGeom prst="rect">
+            <a:avLst/>
+          </a:prstGeom>
+          <a:noFill/>
+          <a:extLst>
+            <a:ext uri="{909E8E84-426E-40DD-AFC4-6F175D3DCCD1}">
+              <a14:hiddenFill xmlns:a14="http://schemas.microsoft.com/office/drawing/2010/main">
+                <a:solidFill>
+                  <a:srgbClr val="FFFFFF"/>
+                </a:solidFill>
+              </a14:hiddenFill>
+            </a:ext>
+          </a:extLst>
+        </p:spPr>
+      </p:pic>
+      <p:pic>
+        <p:nvPicPr>
+          <p:cNvPr id="1030" name="Picture 6">
+            <a:extLst>
+              <a:ext uri="{FF2B5EF4-FFF2-40B4-BE49-F238E27FC236}">
+                <a16:creationId xmlns:a16="http://schemas.microsoft.com/office/drawing/2014/main" id="{DDAD9699-687C-E6DA-2D70-17A5BCC46F8E}"/>
+              </a:ext>
+            </a:extLst>
+          </p:cNvPr>
+          <p:cNvPicPr>
+            <a:picLocks noChangeAspect="1" noChangeArrowheads="1"/>
+          </p:cNvPicPr>
+          <p:nvPr/>
+        </p:nvPicPr>
+        <p:blipFill>
+          <a:blip r:embed="rId4">
+            <a:extLst>
+              <a:ext uri="{28A0092B-C50C-407E-A947-70E740481C1C}">
+                <a14:useLocalDpi xmlns:a14="http://schemas.microsoft.com/office/drawing/2010/main" val="0"/>
+              </a:ext>
+            </a:extLst>
+          </a:blip>
+          <a:srcRect/>
+          <a:stretch>
+            <a:fillRect/>
+          </a:stretch>
+        </p:blipFill>
+        <p:spPr bwMode="auto">
+          <a:xfrm>
+            <a:off x="4911843" y="1472406"/>
+            <a:ext cx="2255472" cy="1914802"/>
+          </a:xfrm>
+          <a:prstGeom prst="rect">
+            <a:avLst/>
+          </a:prstGeom>
+          <a:noFill/>
+          <a:extLst>
+            <a:ext uri="{909E8E84-426E-40DD-AFC4-6F175D3DCCD1}">
+              <a14:hiddenFill xmlns:a14="http://schemas.microsoft.com/office/drawing/2010/main">
+                <a:solidFill>
+                  <a:srgbClr val="FFFFFF"/>
+                </a:solidFill>
+              </a14:hiddenFill>
+            </a:ext>
+          </a:extLst>
+        </p:spPr>
+      </p:pic>
+      <p:pic>
+        <p:nvPicPr>
+          <p:cNvPr id="5" name="Picture 4">
+            <a:extLst>
+              <a:ext uri="{FF2B5EF4-FFF2-40B4-BE49-F238E27FC236}">
+                <a16:creationId xmlns:a16="http://schemas.microsoft.com/office/drawing/2014/main" id="{E673EDE8-733D-7FEE-9432-A3917DC7CE15}"/>
+              </a:ext>
+            </a:extLst>
+          </p:cNvPr>
+          <p:cNvPicPr>
+            <a:picLocks noChangeAspect="1"/>
+          </p:cNvPicPr>
+          <p:nvPr/>
+        </p:nvPicPr>
+        <p:blipFill rotWithShape="1">
+          <a:blip r:embed="rId5"/>
+          <a:srcRect l="53591" t="12746"/>
+          <a:stretch/>
+        </p:blipFill>
+        <p:spPr>
+          <a:xfrm>
+            <a:off x="2532888" y="1472406"/>
+            <a:ext cx="2160722" cy="1830656"/>
+          </a:xfrm>
+          <a:prstGeom prst="rect">
+            <a:avLst/>
+          </a:prstGeom>
+        </p:spPr>
+      </p:pic>
     </p:spTree>
     <p:extLst>
       <p:ext uri="{BB962C8B-B14F-4D97-AF65-F5344CB8AC3E}">
@@ -4654,7 +4876,24 @@
 </file>
 
 <file path=customXml/itemProps1.xml><?xml version="1.0" encoding="utf-8"?>
-<ds:datastoreItem xmlns:ds="http://schemas.openxmlformats.org/officeDocument/2006/customXml" ds:itemID="{CB95CD2F-7AF1-41D4-B9F6-F2104A185175}"/>
+<ds:datastoreItem xmlns:ds="http://schemas.openxmlformats.org/officeDocument/2006/customXml" ds:itemID="{CB95CD2F-7AF1-41D4-B9F6-F2104A185175}">
+  <ds:schemaRefs>
+    <ds:schemaRef ds:uri="http://schemas.microsoft.com/office/2006/metadata/contentType"/>
+    <ds:schemaRef ds:uri="http://schemas.microsoft.com/office/2006/metadata/properties/metaAttributes"/>
+    <ds:schemaRef ds:uri="http://www.w3.org/2001/XMLSchema"/>
+    <ds:schemaRef ds:uri="http://schemas.microsoft.com/office/2006/metadata/properties"/>
+    <ds:schemaRef ds:uri="128482ec-0431-40d5-ab26-89ea2a4f3ccd"/>
+    <ds:schemaRef ds:uri="60eb0cf4-ae2a-4762-800a-cb593b869ecb"/>
+    <ds:schemaRef ds:uri="http://schemas.microsoft.com/sharepoint/v4"/>
+    <ds:schemaRef ds:uri="a2e691a9-fcfc-4d85-a390-1894fe98bd9e"/>
+    <ds:schemaRef ds:uri="http://schemas.microsoft.com/office/2006/documentManagement/types"/>
+    <ds:schemaRef ds:uri="http://schemas.microsoft.com/office/infopath/2007/PartnerControls"/>
+    <ds:schemaRef ds:uri="http://schemas.openxmlformats.org/package/2006/metadata/core-properties"/>
+    <ds:schemaRef ds:uri="http://purl.org/dc/elements/1.1/"/>
+    <ds:schemaRef ds:uri="http://purl.org/dc/terms/"/>
+    <ds:schemaRef ds:uri="http://schemas.microsoft.com/internal/obd"/>
+  </ds:schemaRefs>
+</ds:datastoreItem>
 </file>
 
 <file path=customXml/itemProps2.xml><?xml version="1.0" encoding="utf-8"?>
@@ -4664,6 +4903,7 @@
     <ds:schemaRef ds:uri="http://schemas.microsoft.com/office/2006/metadata/properties"/>
     <ds:schemaRef ds:uri="http://schemas.microsoft.com/office/infopath/2007/PartnerControls"/>
     <ds:schemaRef ds:uri="http://schemas.microsoft.com/sharepoint/v4"/>
+    <ds:schemaRef ds:uri="60eb0cf4-ae2a-4762-800a-cb593b869ecb"/>
   </ds:schemaRefs>
 </ds:datastoreItem>
 </file>
